--- a/Hacktoberfest/Planning for DevOps.pptx
+++ b/Hacktoberfest/Planning for DevOps.pptx
@@ -219,7 +219,7 @@
           <a:p>
             <a:fld id="{0D3578DB-0091-4EF0-9620-E708B7FBB15F}" type="datetimeFigureOut">
               <a:rPr lang="en-US" smtClean="0"/>
-              <a:t>10/1/2019</a:t>
+              <a:t>11/1/2019</a:t>
             </a:fld>
             <a:endParaRPr lang="en-US"/>
           </a:p>
@@ -3539,7 +3539,7 @@
           <a:p>
             <a:fld id="{23EC023D-B61A-4551-8136-DCD5A45A20F2}" type="datetimeFigureOut">
               <a:rPr lang="en-US" smtClean="0"/>
-              <a:t>10/1/2019</a:t>
+              <a:t>11/1/2019</a:t>
             </a:fld>
             <a:endParaRPr lang="en-US"/>
           </a:p>
@@ -3737,7 +3737,7 @@
           <a:p>
             <a:fld id="{23EC023D-B61A-4551-8136-DCD5A45A20F2}" type="datetimeFigureOut">
               <a:rPr lang="en-US" smtClean="0"/>
-              <a:t>10/1/2019</a:t>
+              <a:t>11/1/2019</a:t>
             </a:fld>
             <a:endParaRPr lang="en-US"/>
           </a:p>
@@ -3945,7 +3945,7 @@
           <a:p>
             <a:fld id="{23EC023D-B61A-4551-8136-DCD5A45A20F2}" type="datetimeFigureOut">
               <a:rPr lang="en-US" smtClean="0"/>
-              <a:t>10/1/2019</a:t>
+              <a:t>11/1/2019</a:t>
             </a:fld>
             <a:endParaRPr lang="en-US"/>
           </a:p>
@@ -5971,7 +5971,7 @@
           <a:p>
             <a:fld id="{23EC023D-B61A-4551-8136-DCD5A45A20F2}" type="datetimeFigureOut">
               <a:rPr lang="en-US" smtClean="0"/>
-              <a:t>10/1/2019</a:t>
+              <a:t>11/1/2019</a:t>
             </a:fld>
             <a:endParaRPr lang="en-US"/>
           </a:p>
@@ -6246,7 +6246,7 @@
           <a:p>
             <a:fld id="{23EC023D-B61A-4551-8136-DCD5A45A20F2}" type="datetimeFigureOut">
               <a:rPr lang="en-US" smtClean="0"/>
-              <a:t>10/1/2019</a:t>
+              <a:t>11/1/2019</a:t>
             </a:fld>
             <a:endParaRPr lang="en-US"/>
           </a:p>
@@ -6511,7 +6511,7 @@
           <a:p>
             <a:fld id="{23EC023D-B61A-4551-8136-DCD5A45A20F2}" type="datetimeFigureOut">
               <a:rPr lang="en-US" smtClean="0"/>
-              <a:t>10/1/2019</a:t>
+              <a:t>11/1/2019</a:t>
             </a:fld>
             <a:endParaRPr lang="en-US"/>
           </a:p>
@@ -6923,7 +6923,7 @@
           <a:p>
             <a:fld id="{23EC023D-B61A-4551-8136-DCD5A45A20F2}" type="datetimeFigureOut">
               <a:rPr lang="en-US" smtClean="0"/>
-              <a:t>10/1/2019</a:t>
+              <a:t>11/1/2019</a:t>
             </a:fld>
             <a:endParaRPr lang="en-US"/>
           </a:p>
@@ -7064,7 +7064,7 @@
           <a:p>
             <a:fld id="{23EC023D-B61A-4551-8136-DCD5A45A20F2}" type="datetimeFigureOut">
               <a:rPr lang="en-US" smtClean="0"/>
-              <a:t>10/1/2019</a:t>
+              <a:t>11/1/2019</a:t>
             </a:fld>
             <a:endParaRPr lang="en-US"/>
           </a:p>
@@ -7177,7 +7177,7 @@
           <a:p>
             <a:fld id="{23EC023D-B61A-4551-8136-DCD5A45A20F2}" type="datetimeFigureOut">
               <a:rPr lang="en-US" smtClean="0"/>
-              <a:t>10/1/2019</a:t>
+              <a:t>11/1/2019</a:t>
             </a:fld>
             <a:endParaRPr lang="en-US"/>
           </a:p>
@@ -7488,7 +7488,7 @@
           <a:p>
             <a:fld id="{23EC023D-B61A-4551-8136-DCD5A45A20F2}" type="datetimeFigureOut">
               <a:rPr lang="en-US" smtClean="0"/>
-              <a:t>10/1/2019</a:t>
+              <a:t>11/1/2019</a:t>
             </a:fld>
             <a:endParaRPr lang="en-US"/>
           </a:p>
@@ -7776,7 +7776,7 @@
           <a:p>
             <a:fld id="{23EC023D-B61A-4551-8136-DCD5A45A20F2}" type="datetimeFigureOut">
               <a:rPr lang="en-US" smtClean="0"/>
-              <a:t>10/1/2019</a:t>
+              <a:t>11/1/2019</a:t>
             </a:fld>
             <a:endParaRPr lang="en-US"/>
           </a:p>
@@ -8017,7 +8017,7 @@
           <a:p>
             <a:fld id="{23EC023D-B61A-4551-8136-DCD5A45A20F2}" type="datetimeFigureOut">
               <a:rPr lang="en-US" smtClean="0"/>
-              <a:t>10/1/2019</a:t>
+              <a:t>11/1/2019</a:t>
             </a:fld>
             <a:endParaRPr lang="en-US"/>
           </a:p>
@@ -12376,7 +12376,7 @@
 </file>
 
 <file path=ppt/slides/slide3.xml><?xml version="1.0" encoding="utf-8"?>
-<p:sld xmlns:a="http://schemas.openxmlformats.org/drawingml/2006/main" xmlns:r="http://schemas.openxmlformats.org/officeDocument/2006/relationships" xmlns:p="http://schemas.openxmlformats.org/presentationml/2006/main">
+<p:sld xmlns:a="http://schemas.openxmlformats.org/drawingml/2006/main" xmlns:r="http://schemas.openxmlformats.org/officeDocument/2006/relationships" xmlns:p="http://schemas.openxmlformats.org/presentationml/2006/main" show="0">
   <p:cSld>
     <p:spTree>
       <p:nvGrpSpPr>
